--- a/knowledge-sharing/db-transactions/db-transactions.es.pptx
+++ b/knowledge-sharing/db-transactions/db-transactions.es.pptx
@@ -7,9 +7,17 @@
   <p:sldIdLst>
     <p:sldId id="256" r:id="rId2"/>
     <p:sldId id="257" r:id="rId3"/>
-    <p:sldId id="258" r:id="rId4"/>
-    <p:sldId id="259" r:id="rId5"/>
-    <p:sldId id="260" r:id="rId6"/>
+    <p:sldId id="261" r:id="rId4"/>
+    <p:sldId id="262" r:id="rId5"/>
+    <p:sldId id="265" r:id="rId6"/>
+    <p:sldId id="264" r:id="rId7"/>
+    <p:sldId id="263" r:id="rId8"/>
+    <p:sldId id="266" r:id="rId9"/>
+    <p:sldId id="267" r:id="rId10"/>
+    <p:sldId id="268" r:id="rId11"/>
+    <p:sldId id="258" r:id="rId12"/>
+    <p:sldId id="259" r:id="rId13"/>
+    <p:sldId id="260" r:id="rId14"/>
   </p:sldIdLst>
   <p:sldSz cx="12192000" cy="6858000"/>
   <p:notesSz cx="6858000" cy="9144000"/>
@@ -108,6 +116,11 @@
       </a:defRPr>
     </a:lvl9pPr>
   </p:defaultTextStyle>
+  <p:extLst>
+    <p:ext uri="{EFAFB233-063F-42B5-8137-9DF3F51BA10A}">
+      <p15:sldGuideLst xmlns:p15="http://schemas.microsoft.com/office/powerpoint/2012/main"/>
+    </p:ext>
+  </p:extLst>
 </p:presentation>
 </file>
 
@@ -258,7 +271,7 @@
           <a:p>
             <a:fld id="{E0A6AD28-77E8-4906-9AB4-3F899A695F37}" type="datetimeFigureOut">
               <a:rPr lang="es-ES" smtClean="0"/>
-              <a:t>29/10/2023</a:t>
+              <a:t>01/07/2024</a:t>
             </a:fld>
             <a:endParaRPr lang="es-ES"/>
           </a:p>
@@ -456,7 +469,7 @@
           <a:p>
             <a:fld id="{E0A6AD28-77E8-4906-9AB4-3F899A695F37}" type="datetimeFigureOut">
               <a:rPr lang="es-ES" smtClean="0"/>
-              <a:t>29/10/2023</a:t>
+              <a:t>01/07/2024</a:t>
             </a:fld>
             <a:endParaRPr lang="es-ES"/>
           </a:p>
@@ -664,7 +677,7 @@
           <a:p>
             <a:fld id="{E0A6AD28-77E8-4906-9AB4-3F899A695F37}" type="datetimeFigureOut">
               <a:rPr lang="es-ES" smtClean="0"/>
-              <a:t>29/10/2023</a:t>
+              <a:t>01/07/2024</a:t>
             </a:fld>
             <a:endParaRPr lang="es-ES"/>
           </a:p>
@@ -776,7 +789,7 @@
           <a:lstStyle/>
           <a:p>
             <a:r>
-              <a:rPr lang="es-ES"/>
+              <a:rPr lang="es-ES" dirty="0"/>
               <a:t>Haga clic para modificar el estilo de título del patrón</a:t>
             </a:r>
           </a:p>
@@ -805,35 +818,35 @@
           <a:p>
             <a:pPr lvl="0"/>
             <a:r>
-              <a:rPr lang="es-ES"/>
+              <a:rPr lang="es-ES" dirty="0"/>
               <a:t>Haga clic para modificar los estilos de texto del patrón</a:t>
             </a:r>
           </a:p>
           <a:p>
             <a:pPr lvl="1"/>
             <a:r>
-              <a:rPr lang="es-ES"/>
+              <a:rPr lang="es-ES" dirty="0"/>
               <a:t>Segundo nivel</a:t>
             </a:r>
           </a:p>
           <a:p>
             <a:pPr lvl="2"/>
             <a:r>
-              <a:rPr lang="es-ES"/>
+              <a:rPr lang="es-ES" dirty="0"/>
               <a:t>Tercer nivel</a:t>
             </a:r>
           </a:p>
           <a:p>
             <a:pPr lvl="3"/>
             <a:r>
-              <a:rPr lang="es-ES"/>
+              <a:rPr lang="es-ES" dirty="0"/>
               <a:t>Cuarto nivel</a:t>
             </a:r>
           </a:p>
           <a:p>
             <a:pPr lvl="4"/>
             <a:r>
-              <a:rPr lang="es-ES"/>
+              <a:rPr lang="es-ES" dirty="0"/>
               <a:t>Quinto nivel</a:t>
             </a:r>
           </a:p>
@@ -862,7 +875,7 @@
           <a:p>
             <a:fld id="{E0A6AD28-77E8-4906-9AB4-3F899A695F37}" type="datetimeFigureOut">
               <a:rPr lang="es-ES" smtClean="0"/>
-              <a:t>29/10/2023</a:t>
+              <a:t>01/07/2024</a:t>
             </a:fld>
             <a:endParaRPr lang="es-ES"/>
           </a:p>
@@ -1137,7 +1150,7 @@
           <a:p>
             <a:fld id="{E0A6AD28-77E8-4906-9AB4-3F899A695F37}" type="datetimeFigureOut">
               <a:rPr lang="es-ES" smtClean="0"/>
-              <a:t>29/10/2023</a:t>
+              <a:t>01/07/2024</a:t>
             </a:fld>
             <a:endParaRPr lang="es-ES"/>
           </a:p>
@@ -1402,7 +1415,7 @@
           <a:p>
             <a:fld id="{E0A6AD28-77E8-4906-9AB4-3F899A695F37}" type="datetimeFigureOut">
               <a:rPr lang="es-ES" smtClean="0"/>
-              <a:t>29/10/2023</a:t>
+              <a:t>01/07/2024</a:t>
             </a:fld>
             <a:endParaRPr lang="es-ES"/>
           </a:p>
@@ -1814,7 +1827,7 @@
           <a:p>
             <a:fld id="{E0A6AD28-77E8-4906-9AB4-3F899A695F37}" type="datetimeFigureOut">
               <a:rPr lang="es-ES" smtClean="0"/>
-              <a:t>29/10/2023</a:t>
+              <a:t>01/07/2024</a:t>
             </a:fld>
             <a:endParaRPr lang="es-ES"/>
           </a:p>
@@ -1955,7 +1968,7 @@
           <a:p>
             <a:fld id="{E0A6AD28-77E8-4906-9AB4-3F899A695F37}" type="datetimeFigureOut">
               <a:rPr lang="es-ES" smtClean="0"/>
-              <a:t>29/10/2023</a:t>
+              <a:t>01/07/2024</a:t>
             </a:fld>
             <a:endParaRPr lang="es-ES"/>
           </a:p>
@@ -2068,7 +2081,7 @@
           <a:p>
             <a:fld id="{E0A6AD28-77E8-4906-9AB4-3F899A695F37}" type="datetimeFigureOut">
               <a:rPr lang="es-ES" smtClean="0"/>
-              <a:t>29/10/2023</a:t>
+              <a:t>01/07/2024</a:t>
             </a:fld>
             <a:endParaRPr lang="es-ES"/>
           </a:p>
@@ -2379,7 +2392,7 @@
           <a:p>
             <a:fld id="{E0A6AD28-77E8-4906-9AB4-3F899A695F37}" type="datetimeFigureOut">
               <a:rPr lang="es-ES" smtClean="0"/>
-              <a:t>29/10/2023</a:t>
+              <a:t>01/07/2024</a:t>
             </a:fld>
             <a:endParaRPr lang="es-ES"/>
           </a:p>
@@ -2667,7 +2680,7 @@
           <a:p>
             <a:fld id="{E0A6AD28-77E8-4906-9AB4-3F899A695F37}" type="datetimeFigureOut">
               <a:rPr lang="es-ES" smtClean="0"/>
-              <a:t>29/10/2023</a:t>
+              <a:t>01/07/2024</a:t>
             </a:fld>
             <a:endParaRPr lang="es-ES"/>
           </a:p>
@@ -2794,7 +2807,7 @@
           <a:lstStyle/>
           <a:p>
             <a:r>
-              <a:rPr lang="es-ES"/>
+              <a:rPr lang="es-ES" dirty="0"/>
               <a:t>Haga clic para modificar el estilo de título del patrón</a:t>
             </a:r>
           </a:p>
@@ -2908,7 +2921,7 @@
           <a:p>
             <a:fld id="{E0A6AD28-77E8-4906-9AB4-3F899A695F37}" type="datetimeFigureOut">
               <a:rPr lang="es-ES" smtClean="0"/>
-              <a:t>29/10/2023</a:t>
+              <a:t>01/07/2024</a:t>
             </a:fld>
             <a:endParaRPr lang="es-ES"/>
           </a:p>
@@ -3039,9 +3052,9 @@
           <a:solidFill>
             <a:schemeClr val="tx1"/>
           </a:solidFill>
-          <a:latin typeface="+mj-lt"/>
+          <a:latin typeface="Montserrat" panose="00000500000000000000" pitchFamily="50" charset="0"/>
           <a:ea typeface="+mj-ea"/>
-          <a:cs typeface="+mj-cs"/>
+          <a:cs typeface="Segoe UI" panose="020B0502040204020203" pitchFamily="34" charset="0"/>
         </a:defRPr>
       </a:lvl1pPr>
     </p:titleStyle>
@@ -3059,9 +3072,9 @@
           <a:solidFill>
             <a:schemeClr val="tx1"/>
           </a:solidFill>
-          <a:latin typeface="+mn-lt"/>
+          <a:latin typeface="Montserrat" panose="00000500000000000000" pitchFamily="50" charset="0"/>
           <a:ea typeface="+mn-ea"/>
-          <a:cs typeface="+mn-cs"/>
+          <a:cs typeface="Segoe UI" panose="020B0502040204020203" pitchFamily="34" charset="0"/>
         </a:defRPr>
       </a:lvl1pPr>
       <a:lvl2pPr marL="685800" indent="-228600" algn="l" defTabSz="914400" rtl="0" eaLnBrk="1" latinLnBrk="0" hangingPunct="1">
@@ -3077,9 +3090,9 @@
           <a:solidFill>
             <a:schemeClr val="tx1"/>
           </a:solidFill>
-          <a:latin typeface="+mn-lt"/>
+          <a:latin typeface="Montserrat" panose="00000500000000000000" pitchFamily="50" charset="0"/>
           <a:ea typeface="+mn-ea"/>
-          <a:cs typeface="+mn-cs"/>
+          <a:cs typeface="Segoe UI" panose="020B0502040204020203" pitchFamily="34" charset="0"/>
         </a:defRPr>
       </a:lvl2pPr>
       <a:lvl3pPr marL="1143000" indent="-228600" algn="l" defTabSz="914400" rtl="0" eaLnBrk="1" latinLnBrk="0" hangingPunct="1">
@@ -3095,9 +3108,9 @@
           <a:solidFill>
             <a:schemeClr val="tx1"/>
           </a:solidFill>
-          <a:latin typeface="+mn-lt"/>
+          <a:latin typeface="Montserrat" panose="00000500000000000000" pitchFamily="50" charset="0"/>
           <a:ea typeface="+mn-ea"/>
-          <a:cs typeface="+mn-cs"/>
+          <a:cs typeface="Segoe UI" panose="020B0502040204020203" pitchFamily="34" charset="0"/>
         </a:defRPr>
       </a:lvl3pPr>
       <a:lvl4pPr marL="1600200" indent="-228600" algn="l" defTabSz="914400" rtl="0" eaLnBrk="1" latinLnBrk="0" hangingPunct="1">
@@ -3113,9 +3126,9 @@
           <a:solidFill>
             <a:schemeClr val="tx1"/>
           </a:solidFill>
-          <a:latin typeface="+mn-lt"/>
+          <a:latin typeface="Montserrat" panose="00000500000000000000" pitchFamily="50" charset="0"/>
           <a:ea typeface="+mn-ea"/>
-          <a:cs typeface="+mn-cs"/>
+          <a:cs typeface="Segoe UI" panose="020B0502040204020203" pitchFamily="34" charset="0"/>
         </a:defRPr>
       </a:lvl4pPr>
       <a:lvl5pPr marL="2057400" indent="-228600" algn="l" defTabSz="914400" rtl="0" eaLnBrk="1" latinLnBrk="0" hangingPunct="1">
@@ -3131,9 +3144,9 @@
           <a:solidFill>
             <a:schemeClr val="tx1"/>
           </a:solidFill>
-          <a:latin typeface="+mn-lt"/>
+          <a:latin typeface="Montserrat" panose="00000500000000000000" pitchFamily="50" charset="0"/>
           <a:ea typeface="+mn-ea"/>
-          <a:cs typeface="+mn-cs"/>
+          <a:cs typeface="Segoe UI" panose="020B0502040204020203" pitchFamily="34" charset="0"/>
         </a:defRPr>
       </a:lvl5pPr>
       <a:lvl6pPr marL="2514600" indent="-228600" algn="l" defTabSz="914400" rtl="0" eaLnBrk="1" latinLnBrk="0" hangingPunct="1">
@@ -3394,6 +3407,338 @@
 </p:sld>
 </file>
 
+<file path=ppt/slides/slide10.xml><?xml version="1.0" encoding="utf-8"?>
+<p:sld xmlns:a="http://schemas.openxmlformats.org/drawingml/2006/main" xmlns:r="http://schemas.openxmlformats.org/officeDocument/2006/relationships" xmlns:p="http://schemas.openxmlformats.org/presentationml/2006/main">
+  <p:cSld>
+    <p:spTree>
+      <p:nvGrpSpPr>
+        <p:cNvPr id="1" name=""/>
+        <p:cNvGrpSpPr/>
+        <p:nvPr/>
+      </p:nvGrpSpPr>
+      <p:grpSpPr>
+        <a:xfrm>
+          <a:off x="0" y="0"/>
+          <a:ext cx="0" cy="0"/>
+          <a:chOff x="0" y="0"/>
+          <a:chExt cx="0" cy="0"/>
+        </a:xfrm>
+      </p:grpSpPr>
+      <p:sp>
+        <p:nvSpPr>
+          <p:cNvPr id="2" name="Título 1">
+            <a:extLst>
+              <a:ext uri="{FF2B5EF4-FFF2-40B4-BE49-F238E27FC236}">
+                <a16:creationId xmlns:a16="http://schemas.microsoft.com/office/drawing/2014/main" id="{50CA3179-5961-4E3C-C7A7-697DB805F2E1}"/>
+              </a:ext>
+            </a:extLst>
+          </p:cNvPr>
+          <p:cNvSpPr>
+            <a:spLocks noGrp="1"/>
+          </p:cNvSpPr>
+          <p:nvPr>
+            <p:ph type="title"/>
+          </p:nvPr>
+        </p:nvSpPr>
+        <p:spPr/>
+        <p:txBody>
+          <a:bodyPr/>
+          <a:lstStyle/>
+          <a:p>
+            <a:r>
+              <a:rPr lang="es-ES" dirty="0"/>
+              <a:t>PACELC</a:t>
+            </a:r>
+          </a:p>
+        </p:txBody>
+      </p:sp>
+      <p:sp>
+        <p:nvSpPr>
+          <p:cNvPr id="3" name="Marcador de contenido 2">
+            <a:extLst>
+              <a:ext uri="{FF2B5EF4-FFF2-40B4-BE49-F238E27FC236}">
+                <a16:creationId xmlns:a16="http://schemas.microsoft.com/office/drawing/2014/main" id="{784370C9-A1E3-37C1-E98B-E654906324AF}"/>
+              </a:ext>
+            </a:extLst>
+          </p:cNvPr>
+          <p:cNvSpPr>
+            <a:spLocks noGrp="1"/>
+          </p:cNvSpPr>
+          <p:nvPr>
+            <p:ph idx="1"/>
+          </p:nvPr>
+        </p:nvSpPr>
+        <p:spPr/>
+        <p:txBody>
+          <a:bodyPr/>
+          <a:lstStyle/>
+          <a:p>
+            <a:endParaRPr lang="es-ES"/>
+          </a:p>
+        </p:txBody>
+      </p:sp>
+    </p:spTree>
+    <p:extLst>
+      <p:ext uri="{BB962C8B-B14F-4D97-AF65-F5344CB8AC3E}">
+        <p14:creationId xmlns:p14="http://schemas.microsoft.com/office/powerpoint/2010/main" val="3794314885"/>
+      </p:ext>
+    </p:extLst>
+  </p:cSld>
+  <p:clrMapOvr>
+    <a:masterClrMapping/>
+  </p:clrMapOvr>
+</p:sld>
+</file>
+
+<file path=ppt/slides/slide11.xml><?xml version="1.0" encoding="utf-8"?>
+<p:sld xmlns:a="http://schemas.openxmlformats.org/drawingml/2006/main" xmlns:r="http://schemas.openxmlformats.org/officeDocument/2006/relationships" xmlns:p="http://schemas.openxmlformats.org/presentationml/2006/main">
+  <p:cSld>
+    <p:spTree>
+      <p:nvGrpSpPr>
+        <p:cNvPr id="1" name=""/>
+        <p:cNvGrpSpPr/>
+        <p:nvPr/>
+      </p:nvGrpSpPr>
+      <p:grpSpPr>
+        <a:xfrm>
+          <a:off x="0" y="0"/>
+          <a:ext cx="0" cy="0"/>
+          <a:chOff x="0" y="0"/>
+          <a:chExt cx="0" cy="0"/>
+        </a:xfrm>
+      </p:grpSpPr>
+      <p:sp>
+        <p:nvSpPr>
+          <p:cNvPr id="2" name="Título 1">
+            <a:extLst>
+              <a:ext uri="{FF2B5EF4-FFF2-40B4-BE49-F238E27FC236}">
+                <a16:creationId xmlns:a16="http://schemas.microsoft.com/office/drawing/2014/main" id="{2BCEA057-FDD6-4036-6A62-86152649FCFB}"/>
+              </a:ext>
+            </a:extLst>
+          </p:cNvPr>
+          <p:cNvSpPr>
+            <a:spLocks noGrp="1"/>
+          </p:cNvSpPr>
+          <p:nvPr>
+            <p:ph type="title"/>
+          </p:nvPr>
+        </p:nvSpPr>
+        <p:spPr/>
+        <p:txBody>
+          <a:bodyPr/>
+          <a:lstStyle/>
+          <a:p>
+            <a:r>
+              <a:rPr lang="es-ES" dirty="0"/>
+              <a:t>Atomicidad</a:t>
+            </a:r>
+          </a:p>
+        </p:txBody>
+      </p:sp>
+      <p:sp>
+        <p:nvSpPr>
+          <p:cNvPr id="3" name="Marcador de contenido 2">
+            <a:extLst>
+              <a:ext uri="{FF2B5EF4-FFF2-40B4-BE49-F238E27FC236}">
+                <a16:creationId xmlns:a16="http://schemas.microsoft.com/office/drawing/2014/main" id="{B5A49C53-0A89-CC9A-5961-2EDE95F3B761}"/>
+              </a:ext>
+            </a:extLst>
+          </p:cNvPr>
+          <p:cNvSpPr>
+            <a:spLocks noGrp="1"/>
+          </p:cNvSpPr>
+          <p:nvPr>
+            <p:ph idx="1"/>
+          </p:nvPr>
+        </p:nvSpPr>
+        <p:spPr/>
+        <p:txBody>
+          <a:bodyPr/>
+          <a:lstStyle/>
+          <a:p>
+            <a:endParaRPr lang="es-ES"/>
+          </a:p>
+        </p:txBody>
+      </p:sp>
+    </p:spTree>
+    <p:extLst>
+      <p:ext uri="{BB962C8B-B14F-4D97-AF65-F5344CB8AC3E}">
+        <p14:creationId xmlns:p14="http://schemas.microsoft.com/office/powerpoint/2010/main" val="564850587"/>
+      </p:ext>
+    </p:extLst>
+  </p:cSld>
+  <p:clrMapOvr>
+    <a:masterClrMapping/>
+  </p:clrMapOvr>
+</p:sld>
+</file>
+
+<file path=ppt/slides/slide12.xml><?xml version="1.0" encoding="utf-8"?>
+<p:sld xmlns:a="http://schemas.openxmlformats.org/drawingml/2006/main" xmlns:r="http://schemas.openxmlformats.org/officeDocument/2006/relationships" xmlns:p="http://schemas.openxmlformats.org/presentationml/2006/main">
+  <p:cSld>
+    <p:spTree>
+      <p:nvGrpSpPr>
+        <p:cNvPr id="1" name=""/>
+        <p:cNvGrpSpPr/>
+        <p:nvPr/>
+      </p:nvGrpSpPr>
+      <p:grpSpPr>
+        <a:xfrm>
+          <a:off x="0" y="0"/>
+          <a:ext cx="0" cy="0"/>
+          <a:chOff x="0" y="0"/>
+          <a:chExt cx="0" cy="0"/>
+        </a:xfrm>
+      </p:grpSpPr>
+      <p:sp>
+        <p:nvSpPr>
+          <p:cNvPr id="2" name="Título 1">
+            <a:extLst>
+              <a:ext uri="{FF2B5EF4-FFF2-40B4-BE49-F238E27FC236}">
+                <a16:creationId xmlns:a16="http://schemas.microsoft.com/office/drawing/2014/main" id="{864322C6-2FB9-250C-C763-3E646095ED85}"/>
+              </a:ext>
+            </a:extLst>
+          </p:cNvPr>
+          <p:cNvSpPr>
+            <a:spLocks noGrp="1"/>
+          </p:cNvSpPr>
+          <p:nvPr>
+            <p:ph type="title"/>
+          </p:nvPr>
+        </p:nvSpPr>
+        <p:spPr/>
+        <p:txBody>
+          <a:bodyPr/>
+          <a:lstStyle/>
+          <a:p>
+            <a:r>
+              <a:rPr lang="es-ES" dirty="0"/>
+              <a:t>Tipos de Transacciones</a:t>
+            </a:r>
+          </a:p>
+        </p:txBody>
+      </p:sp>
+      <p:sp>
+        <p:nvSpPr>
+          <p:cNvPr id="3" name="Marcador de contenido 2">
+            <a:extLst>
+              <a:ext uri="{FF2B5EF4-FFF2-40B4-BE49-F238E27FC236}">
+                <a16:creationId xmlns:a16="http://schemas.microsoft.com/office/drawing/2014/main" id="{1CE4FB2C-DC7C-E259-4BFA-C5EC09BBA580}"/>
+              </a:ext>
+            </a:extLst>
+          </p:cNvPr>
+          <p:cNvSpPr>
+            <a:spLocks noGrp="1"/>
+          </p:cNvSpPr>
+          <p:nvPr>
+            <p:ph idx="1"/>
+          </p:nvPr>
+        </p:nvSpPr>
+        <p:spPr/>
+        <p:txBody>
+          <a:bodyPr/>
+          <a:lstStyle/>
+          <a:p>
+            <a:endParaRPr lang="es-ES"/>
+          </a:p>
+        </p:txBody>
+      </p:sp>
+    </p:spTree>
+    <p:extLst>
+      <p:ext uri="{BB962C8B-B14F-4D97-AF65-F5344CB8AC3E}">
+        <p14:creationId xmlns:p14="http://schemas.microsoft.com/office/powerpoint/2010/main" val="1758357365"/>
+      </p:ext>
+    </p:extLst>
+  </p:cSld>
+  <p:clrMapOvr>
+    <a:masterClrMapping/>
+  </p:clrMapOvr>
+</p:sld>
+</file>
+
+<file path=ppt/slides/slide13.xml><?xml version="1.0" encoding="utf-8"?>
+<p:sld xmlns:a="http://schemas.openxmlformats.org/drawingml/2006/main" xmlns:r="http://schemas.openxmlformats.org/officeDocument/2006/relationships" xmlns:p="http://schemas.openxmlformats.org/presentationml/2006/main">
+  <p:cSld>
+    <p:spTree>
+      <p:nvGrpSpPr>
+        <p:cNvPr id="1" name=""/>
+        <p:cNvGrpSpPr/>
+        <p:nvPr/>
+      </p:nvGrpSpPr>
+      <p:grpSpPr>
+        <a:xfrm>
+          <a:off x="0" y="0"/>
+          <a:ext cx="0" cy="0"/>
+          <a:chOff x="0" y="0"/>
+          <a:chExt cx="0" cy="0"/>
+        </a:xfrm>
+      </p:grpSpPr>
+      <p:sp>
+        <p:nvSpPr>
+          <p:cNvPr id="2" name="Título 1">
+            <a:extLst>
+              <a:ext uri="{FF2B5EF4-FFF2-40B4-BE49-F238E27FC236}">
+                <a16:creationId xmlns:a16="http://schemas.microsoft.com/office/drawing/2014/main" id="{E93B091A-6D0B-40BC-BDB8-3F31951263F8}"/>
+              </a:ext>
+            </a:extLst>
+          </p:cNvPr>
+          <p:cNvSpPr>
+            <a:spLocks noGrp="1"/>
+          </p:cNvSpPr>
+          <p:nvPr>
+            <p:ph type="title"/>
+          </p:nvPr>
+        </p:nvSpPr>
+        <p:spPr/>
+        <p:txBody>
+          <a:bodyPr/>
+          <a:lstStyle/>
+          <a:p>
+            <a:r>
+              <a:rPr lang="es-ES"/>
+              <a:t>Fantasma</a:t>
+            </a:r>
+          </a:p>
+        </p:txBody>
+      </p:sp>
+      <p:sp>
+        <p:nvSpPr>
+          <p:cNvPr id="3" name="Marcador de contenido 2">
+            <a:extLst>
+              <a:ext uri="{FF2B5EF4-FFF2-40B4-BE49-F238E27FC236}">
+                <a16:creationId xmlns:a16="http://schemas.microsoft.com/office/drawing/2014/main" id="{D808A542-17A6-74F4-3F9B-699099F8F9E4}"/>
+              </a:ext>
+            </a:extLst>
+          </p:cNvPr>
+          <p:cNvSpPr>
+            <a:spLocks noGrp="1"/>
+          </p:cNvSpPr>
+          <p:nvPr>
+            <p:ph idx="1"/>
+          </p:nvPr>
+        </p:nvSpPr>
+        <p:spPr/>
+        <p:txBody>
+          <a:bodyPr/>
+          <a:lstStyle/>
+          <a:p>
+            <a:endParaRPr lang="es-ES"/>
+          </a:p>
+        </p:txBody>
+      </p:sp>
+    </p:spTree>
+    <p:extLst>
+      <p:ext uri="{BB962C8B-B14F-4D97-AF65-F5344CB8AC3E}">
+        <p14:creationId xmlns:p14="http://schemas.microsoft.com/office/powerpoint/2010/main" val="2269578640"/>
+      </p:ext>
+    </p:extLst>
+  </p:cSld>
+  <p:clrMapOvr>
+    <a:masterClrMapping/>
+  </p:clrMapOvr>
+</p:sld>
+</file>
+
 <file path=ppt/slides/slide2.xml><?xml version="1.0" encoding="utf-8"?>
 <p:sld xmlns:a="http://schemas.openxmlformats.org/drawingml/2006/main" xmlns:r="http://schemas.openxmlformats.org/officeDocument/2006/relationships" xmlns:p="http://schemas.openxmlformats.org/presentationml/2006/main">
   <p:cSld>
@@ -3427,40 +3772,22 @@
             <p:ph type="title"/>
           </p:nvPr>
         </p:nvSpPr>
-        <p:spPr/>
-        <p:txBody>
-          <a:bodyPr/>
-          <a:lstStyle/>
-          <a:p>
-            <a:r>
-              <a:rPr lang="es-ES" dirty="0"/>
+        <p:spPr>
+          <a:xfrm>
+            <a:off x="838200" y="365125"/>
+            <a:ext cx="10515600" cy="5811838"/>
+          </a:xfrm>
+        </p:spPr>
+        <p:txBody>
+          <a:bodyPr>
+            <a:normAutofit/>
+          </a:bodyPr>
+          <a:lstStyle/>
+          <a:p>
+            <a:r>
+              <a:rPr lang="es-ES" sz="9600" b="1" dirty="0"/>
               <a:t>ACID</a:t>
             </a:r>
-          </a:p>
-        </p:txBody>
-      </p:sp>
-      <p:sp>
-        <p:nvSpPr>
-          <p:cNvPr id="3" name="Marcador de contenido 2">
-            <a:extLst>
-              <a:ext uri="{FF2B5EF4-FFF2-40B4-BE49-F238E27FC236}">
-                <a16:creationId xmlns:a16="http://schemas.microsoft.com/office/drawing/2014/main" id="{8B834CCA-DF46-109F-EA50-AEFF69A7164B}"/>
-              </a:ext>
-            </a:extLst>
-          </p:cNvPr>
-          <p:cNvSpPr>
-            <a:spLocks noGrp="1"/>
-          </p:cNvSpPr>
-          <p:nvPr>
-            <p:ph idx="1"/>
-          </p:nvPr>
-        </p:nvSpPr>
-        <p:spPr/>
-        <p:txBody>
-          <a:bodyPr/>
-          <a:lstStyle/>
-          <a:p>
-            <a:endParaRPr lang="es-ES"/>
           </a:p>
         </p:txBody>
       </p:sp>
@@ -3499,7 +3826,7 @@
           <p:cNvPr id="2" name="Título 1">
             <a:extLst>
               <a:ext uri="{FF2B5EF4-FFF2-40B4-BE49-F238E27FC236}">
-                <a16:creationId xmlns:a16="http://schemas.microsoft.com/office/drawing/2014/main" id="{2BCEA057-FDD6-4036-6A62-86152649FCFB}"/>
+                <a16:creationId xmlns:a16="http://schemas.microsoft.com/office/drawing/2014/main" id="{047E0EE7-16BC-548B-91C8-FD7F25F6E604}"/>
               </a:ext>
             </a:extLst>
           </p:cNvPr>
@@ -3515,10 +3842,7 @@
           <a:bodyPr/>
           <a:lstStyle/>
           <a:p>
-            <a:r>
-              <a:rPr lang="es-ES" dirty="0"/>
-              <a:t>Atomicidad</a:t>
-            </a:r>
+            <a:endParaRPr lang="es-ES"/>
           </a:p>
         </p:txBody>
       </p:sp>
@@ -3527,7 +3851,7 @@
           <p:cNvPr id="3" name="Marcador de contenido 2">
             <a:extLst>
               <a:ext uri="{FF2B5EF4-FFF2-40B4-BE49-F238E27FC236}">
-                <a16:creationId xmlns:a16="http://schemas.microsoft.com/office/drawing/2014/main" id="{B5A49C53-0A89-CC9A-5961-2EDE95F3B761}"/>
+                <a16:creationId xmlns:a16="http://schemas.microsoft.com/office/drawing/2014/main" id="{4CAFF778-CF7F-C088-9682-4F2645DE911B}"/>
               </a:ext>
             </a:extLst>
           </p:cNvPr>
@@ -3540,17 +3864,64 @@
         </p:nvSpPr>
         <p:spPr/>
         <p:txBody>
-          <a:bodyPr/>
-          <a:lstStyle/>
-          <a:p>
-            <a:endParaRPr lang="es-ES"/>
+          <a:bodyPr>
+            <a:normAutofit/>
+          </a:bodyPr>
+          <a:lstStyle/>
+          <a:p>
+            <a:pPr marL="0" indent="0">
+              <a:buNone/>
+            </a:pPr>
+            <a:r>
+              <a:rPr lang="es-ES" sz="6000" b="1" dirty="0">
+                <a:latin typeface="Courier New" panose="02070309020205020404" pitchFamily="49" charset="0"/>
+                <a:cs typeface="Courier New" panose="02070309020205020404" pitchFamily="49" charset="0"/>
+              </a:rPr>
+              <a:t>A</a:t>
+            </a:r>
+          </a:p>
+          <a:p>
+            <a:pPr marL="0" indent="0">
+              <a:buNone/>
+            </a:pPr>
+            <a:r>
+              <a:rPr lang="es-ES" sz="6000" b="1" dirty="0">
+                <a:latin typeface="Courier New" panose="02070309020205020404" pitchFamily="49" charset="0"/>
+                <a:cs typeface="Courier New" panose="02070309020205020404" pitchFamily="49" charset="0"/>
+              </a:rPr>
+              <a:t>C</a:t>
+            </a:r>
+          </a:p>
+          <a:p>
+            <a:pPr marL="0" indent="0">
+              <a:buNone/>
+            </a:pPr>
+            <a:r>
+              <a:rPr lang="es-ES" sz="6000" b="1" dirty="0">
+                <a:latin typeface="Courier New" panose="02070309020205020404" pitchFamily="49" charset="0"/>
+                <a:cs typeface="Courier New" panose="02070309020205020404" pitchFamily="49" charset="0"/>
+              </a:rPr>
+              <a:t>I</a:t>
+            </a:r>
+          </a:p>
+          <a:p>
+            <a:pPr marL="0" indent="0">
+              <a:buNone/>
+            </a:pPr>
+            <a:r>
+              <a:rPr lang="es-ES" sz="6000" b="1" dirty="0">
+                <a:latin typeface="Courier New" panose="02070309020205020404" pitchFamily="49" charset="0"/>
+                <a:cs typeface="Courier New" panose="02070309020205020404" pitchFamily="49" charset="0"/>
+              </a:rPr>
+              <a:t>D</a:t>
+            </a:r>
           </a:p>
         </p:txBody>
       </p:sp>
     </p:spTree>
     <p:extLst>
       <p:ext uri="{BB962C8B-B14F-4D97-AF65-F5344CB8AC3E}">
-        <p14:creationId xmlns:p14="http://schemas.microsoft.com/office/powerpoint/2010/main" val="564850587"/>
+        <p14:creationId xmlns:p14="http://schemas.microsoft.com/office/powerpoint/2010/main" val="1338099076"/>
       </p:ext>
     </p:extLst>
   </p:cSld>
@@ -3582,7 +3953,7 @@
           <p:cNvPr id="2" name="Título 1">
             <a:extLst>
               <a:ext uri="{FF2B5EF4-FFF2-40B4-BE49-F238E27FC236}">
-                <a16:creationId xmlns:a16="http://schemas.microsoft.com/office/drawing/2014/main" id="{864322C6-2FB9-250C-C763-3E646095ED85}"/>
+                <a16:creationId xmlns:a16="http://schemas.microsoft.com/office/drawing/2014/main" id="{047E0EE7-16BC-548B-91C8-FD7F25F6E604}"/>
               </a:ext>
             </a:extLst>
           </p:cNvPr>
@@ -3598,10 +3969,7 @@
           <a:bodyPr/>
           <a:lstStyle/>
           <a:p>
-            <a:r>
-              <a:rPr lang="es-ES" dirty="0"/>
-              <a:t>Tipos de Transacciones</a:t>
-            </a:r>
+            <a:endParaRPr lang="es-ES"/>
           </a:p>
         </p:txBody>
       </p:sp>
@@ -3610,7 +3978,7 @@
           <p:cNvPr id="3" name="Marcador de contenido 2">
             <a:extLst>
               <a:ext uri="{FF2B5EF4-FFF2-40B4-BE49-F238E27FC236}">
-                <a16:creationId xmlns:a16="http://schemas.microsoft.com/office/drawing/2014/main" id="{1CE4FB2C-DC7C-E259-4BFA-C5EC09BBA580}"/>
+                <a16:creationId xmlns:a16="http://schemas.microsoft.com/office/drawing/2014/main" id="{4CAFF778-CF7F-C088-9682-4F2645DE911B}"/>
               </a:ext>
             </a:extLst>
           </p:cNvPr>
@@ -3623,9 +3991,121 @@
         </p:nvSpPr>
         <p:spPr/>
         <p:txBody>
-          <a:bodyPr/>
-          <a:lstStyle/>
-          <a:p>
+          <a:bodyPr>
+            <a:normAutofit/>
+          </a:bodyPr>
+          <a:lstStyle/>
+          <a:p>
+            <a:pPr marL="0" indent="0">
+              <a:buNone/>
+            </a:pPr>
+            <a:r>
+              <a:rPr lang="es-ES" sz="6000" b="1" dirty="0" err="1">
+                <a:latin typeface="Courier New" panose="02070309020205020404" pitchFamily="49" charset="0"/>
+                <a:cs typeface="Courier New" panose="02070309020205020404" pitchFamily="49" charset="0"/>
+              </a:rPr>
+              <a:t>A</a:t>
+            </a:r>
+            <a:r>
+              <a:rPr lang="es-ES" sz="6000" dirty="0" err="1">
+                <a:latin typeface="Courier New" panose="02070309020205020404" pitchFamily="49" charset="0"/>
+                <a:cs typeface="Courier New" panose="02070309020205020404" pitchFamily="49" charset="0"/>
+              </a:rPr>
+              <a:t>tomicity</a:t>
+            </a:r>
+            <a:endParaRPr lang="es-ES" sz="6000" b="1" dirty="0">
+              <a:latin typeface="Courier New" panose="02070309020205020404" pitchFamily="49" charset="0"/>
+              <a:cs typeface="Courier New" panose="02070309020205020404" pitchFamily="49" charset="0"/>
+            </a:endParaRPr>
+          </a:p>
+          <a:p>
+            <a:pPr marL="0" indent="0">
+              <a:buNone/>
+            </a:pPr>
+            <a:r>
+              <a:rPr lang="es-ES" sz="6000" b="1" dirty="0">
+                <a:latin typeface="Courier New" panose="02070309020205020404" pitchFamily="49" charset="0"/>
+                <a:cs typeface="Courier New" panose="02070309020205020404" pitchFamily="49" charset="0"/>
+              </a:rPr>
+              <a:t>C</a:t>
+            </a:r>
+          </a:p>
+          <a:p>
+            <a:pPr marL="0" indent="0">
+              <a:buNone/>
+            </a:pPr>
+            <a:r>
+              <a:rPr lang="es-ES" sz="6000" b="1" dirty="0">
+                <a:latin typeface="Courier New" panose="02070309020205020404" pitchFamily="49" charset="0"/>
+                <a:cs typeface="Courier New" panose="02070309020205020404" pitchFamily="49" charset="0"/>
+              </a:rPr>
+              <a:t>I</a:t>
+            </a:r>
+          </a:p>
+          <a:p>
+            <a:pPr marL="0" indent="0">
+              <a:buNone/>
+            </a:pPr>
+            <a:r>
+              <a:rPr lang="es-ES" sz="6000" b="1" dirty="0">
+                <a:latin typeface="Courier New" panose="02070309020205020404" pitchFamily="49" charset="0"/>
+                <a:cs typeface="Courier New" panose="02070309020205020404" pitchFamily="49" charset="0"/>
+              </a:rPr>
+              <a:t>D</a:t>
+            </a:r>
+          </a:p>
+        </p:txBody>
+      </p:sp>
+      <p:sp>
+        <p:nvSpPr>
+          <p:cNvPr id="5" name="Rectángulo 4">
+            <a:extLst>
+              <a:ext uri="{FF2B5EF4-FFF2-40B4-BE49-F238E27FC236}">
+                <a16:creationId xmlns:a16="http://schemas.microsoft.com/office/drawing/2014/main" id="{9A9E75B1-DC22-15C6-11D3-9DAE611DDBAD}"/>
+              </a:ext>
+            </a:extLst>
+          </p:cNvPr>
+          <p:cNvSpPr/>
+          <p:nvPr/>
+        </p:nvSpPr>
+        <p:spPr>
+          <a:xfrm>
+            <a:off x="838200" y="2695755"/>
+            <a:ext cx="4458419" cy="2983150"/>
+          </a:xfrm>
+          <a:prstGeom prst="rect">
+            <a:avLst/>
+          </a:prstGeom>
+          <a:solidFill>
+            <a:schemeClr val="bg1">
+              <a:alpha val="67000"/>
+            </a:schemeClr>
+          </a:solidFill>
+          <a:ln>
+            <a:noFill/>
+          </a:ln>
+        </p:spPr>
+        <p:style>
+          <a:lnRef idx="2">
+            <a:schemeClr val="accent1">
+              <a:shade val="50000"/>
+            </a:schemeClr>
+          </a:lnRef>
+          <a:fillRef idx="1">
+            <a:schemeClr val="accent1"/>
+          </a:fillRef>
+          <a:effectRef idx="0">
+            <a:schemeClr val="accent1"/>
+          </a:effectRef>
+          <a:fontRef idx="minor">
+            <a:schemeClr val="lt1"/>
+          </a:fontRef>
+        </p:style>
+        <p:txBody>
+          <a:bodyPr rtlCol="0" anchor="ctr"/>
+          <a:lstStyle/>
+          <a:p>
+            <a:pPr algn="ctr"/>
             <a:endParaRPr lang="es-ES"/>
           </a:p>
         </p:txBody>
@@ -3633,7 +4113,7 @@
     </p:spTree>
     <p:extLst>
       <p:ext uri="{BB962C8B-B14F-4D97-AF65-F5344CB8AC3E}">
-        <p14:creationId xmlns:p14="http://schemas.microsoft.com/office/powerpoint/2010/main" val="1758357365"/>
+        <p14:creationId xmlns:p14="http://schemas.microsoft.com/office/powerpoint/2010/main" val="2538690353"/>
       </p:ext>
     </p:extLst>
   </p:cSld>
@@ -3665,7 +4145,7 @@
           <p:cNvPr id="2" name="Título 1">
             <a:extLst>
               <a:ext uri="{FF2B5EF4-FFF2-40B4-BE49-F238E27FC236}">
-                <a16:creationId xmlns:a16="http://schemas.microsoft.com/office/drawing/2014/main" id="{E93B091A-6D0B-40BC-BDB8-3F31951263F8}"/>
+                <a16:creationId xmlns:a16="http://schemas.microsoft.com/office/drawing/2014/main" id="{047E0EE7-16BC-548B-91C8-FD7F25F6E604}"/>
               </a:ext>
             </a:extLst>
           </p:cNvPr>
@@ -3681,10 +4161,7 @@
           <a:bodyPr/>
           <a:lstStyle/>
           <a:p>
-            <a:r>
-              <a:rPr lang="es-ES"/>
-              <a:t>Fantasma</a:t>
-            </a:r>
+            <a:endParaRPr lang="es-ES"/>
           </a:p>
         </p:txBody>
       </p:sp>
@@ -3693,7 +4170,7 @@
           <p:cNvPr id="3" name="Marcador de contenido 2">
             <a:extLst>
               <a:ext uri="{FF2B5EF4-FFF2-40B4-BE49-F238E27FC236}">
-                <a16:creationId xmlns:a16="http://schemas.microsoft.com/office/drawing/2014/main" id="{D808A542-17A6-74F4-3F9B-699099F8F9E4}"/>
+                <a16:creationId xmlns:a16="http://schemas.microsoft.com/office/drawing/2014/main" id="{4CAFF778-CF7F-C088-9682-4F2645DE911B}"/>
               </a:ext>
             </a:extLst>
           </p:cNvPr>
@@ -3706,9 +4183,186 @@
         </p:nvSpPr>
         <p:spPr/>
         <p:txBody>
-          <a:bodyPr/>
-          <a:lstStyle/>
-          <a:p>
+          <a:bodyPr>
+            <a:normAutofit/>
+          </a:bodyPr>
+          <a:lstStyle/>
+          <a:p>
+            <a:pPr marL="0" indent="0">
+              <a:buNone/>
+            </a:pPr>
+            <a:r>
+              <a:rPr lang="es-ES" sz="6000" b="1" dirty="0" err="1">
+                <a:latin typeface="Courier New" panose="02070309020205020404" pitchFamily="49" charset="0"/>
+                <a:cs typeface="Courier New" panose="02070309020205020404" pitchFamily="49" charset="0"/>
+              </a:rPr>
+              <a:t>A</a:t>
+            </a:r>
+            <a:r>
+              <a:rPr lang="es-ES" sz="6000" dirty="0" err="1">
+                <a:latin typeface="Courier New" panose="02070309020205020404" pitchFamily="49" charset="0"/>
+                <a:cs typeface="Courier New" panose="02070309020205020404" pitchFamily="49" charset="0"/>
+              </a:rPr>
+              <a:t>tomicity</a:t>
+            </a:r>
+            <a:endParaRPr lang="es-ES" sz="6000" b="1" dirty="0">
+              <a:latin typeface="Courier New" panose="02070309020205020404" pitchFamily="49" charset="0"/>
+              <a:cs typeface="Courier New" panose="02070309020205020404" pitchFamily="49" charset="0"/>
+            </a:endParaRPr>
+          </a:p>
+          <a:p>
+            <a:pPr marL="0" indent="0">
+              <a:buNone/>
+            </a:pPr>
+            <a:r>
+              <a:rPr lang="es-ES" sz="6000" b="1" dirty="0" err="1">
+                <a:latin typeface="Courier New" panose="02070309020205020404" pitchFamily="49" charset="0"/>
+                <a:cs typeface="Courier New" panose="02070309020205020404" pitchFamily="49" charset="0"/>
+              </a:rPr>
+              <a:t>C</a:t>
+            </a:r>
+            <a:r>
+              <a:rPr lang="es-ES" sz="6000" dirty="0" err="1">
+                <a:latin typeface="Courier New" panose="02070309020205020404" pitchFamily="49" charset="0"/>
+                <a:cs typeface="Courier New" panose="02070309020205020404" pitchFamily="49" charset="0"/>
+              </a:rPr>
+              <a:t>onsistency</a:t>
+            </a:r>
+            <a:endParaRPr lang="es-ES" sz="6000" b="1" dirty="0">
+              <a:latin typeface="Courier New" panose="02070309020205020404" pitchFamily="49" charset="0"/>
+              <a:cs typeface="Courier New" panose="02070309020205020404" pitchFamily="49" charset="0"/>
+            </a:endParaRPr>
+          </a:p>
+          <a:p>
+            <a:pPr marL="0" indent="0">
+              <a:buNone/>
+            </a:pPr>
+            <a:r>
+              <a:rPr lang="es-ES" sz="6000" b="1" dirty="0">
+                <a:latin typeface="Courier New" panose="02070309020205020404" pitchFamily="49" charset="0"/>
+                <a:cs typeface="Courier New" panose="02070309020205020404" pitchFamily="49" charset="0"/>
+              </a:rPr>
+              <a:t>I</a:t>
+            </a:r>
+          </a:p>
+          <a:p>
+            <a:pPr marL="0" indent="0">
+              <a:buNone/>
+            </a:pPr>
+            <a:r>
+              <a:rPr lang="es-ES" sz="6000" b="1" dirty="0">
+                <a:latin typeface="Courier New" panose="02070309020205020404" pitchFamily="49" charset="0"/>
+                <a:cs typeface="Courier New" panose="02070309020205020404" pitchFamily="49" charset="0"/>
+              </a:rPr>
+              <a:t>D</a:t>
+            </a:r>
+          </a:p>
+        </p:txBody>
+      </p:sp>
+      <p:sp>
+        <p:nvSpPr>
+          <p:cNvPr id="6" name="Rectángulo 5">
+            <a:extLst>
+              <a:ext uri="{FF2B5EF4-FFF2-40B4-BE49-F238E27FC236}">
+                <a16:creationId xmlns:a16="http://schemas.microsoft.com/office/drawing/2014/main" id="{0FB5787F-D598-FAD2-C88C-B1DAB613350A}"/>
+              </a:ext>
+            </a:extLst>
+          </p:cNvPr>
+          <p:cNvSpPr/>
+          <p:nvPr/>
+        </p:nvSpPr>
+        <p:spPr>
+          <a:xfrm>
+            <a:off x="838200" y="3577876"/>
+            <a:ext cx="4458419" cy="1955924"/>
+          </a:xfrm>
+          <a:prstGeom prst="rect">
+            <a:avLst/>
+          </a:prstGeom>
+          <a:solidFill>
+            <a:schemeClr val="bg1">
+              <a:alpha val="67000"/>
+            </a:schemeClr>
+          </a:solidFill>
+          <a:ln>
+            <a:noFill/>
+          </a:ln>
+        </p:spPr>
+        <p:style>
+          <a:lnRef idx="2">
+            <a:schemeClr val="accent1">
+              <a:shade val="50000"/>
+            </a:schemeClr>
+          </a:lnRef>
+          <a:fillRef idx="1">
+            <a:schemeClr val="accent1"/>
+          </a:fillRef>
+          <a:effectRef idx="0">
+            <a:schemeClr val="accent1"/>
+          </a:effectRef>
+          <a:fontRef idx="minor">
+            <a:schemeClr val="lt1"/>
+          </a:fontRef>
+        </p:style>
+        <p:txBody>
+          <a:bodyPr rtlCol="0" anchor="ctr"/>
+          <a:lstStyle/>
+          <a:p>
+            <a:pPr algn="ctr"/>
+            <a:endParaRPr lang="es-ES"/>
+          </a:p>
+        </p:txBody>
+      </p:sp>
+      <p:sp>
+        <p:nvSpPr>
+          <p:cNvPr id="7" name="Rectángulo 6">
+            <a:extLst>
+              <a:ext uri="{FF2B5EF4-FFF2-40B4-BE49-F238E27FC236}">
+                <a16:creationId xmlns:a16="http://schemas.microsoft.com/office/drawing/2014/main" id="{3941A82C-9F1F-56C9-0673-1A97E7DCFD47}"/>
+              </a:ext>
+            </a:extLst>
+          </p:cNvPr>
+          <p:cNvSpPr/>
+          <p:nvPr/>
+        </p:nvSpPr>
+        <p:spPr>
+          <a:xfrm>
+            <a:off x="838200" y="1690688"/>
+            <a:ext cx="4458419" cy="1129514"/>
+          </a:xfrm>
+          <a:prstGeom prst="rect">
+            <a:avLst/>
+          </a:prstGeom>
+          <a:solidFill>
+            <a:schemeClr val="bg1">
+              <a:alpha val="67000"/>
+            </a:schemeClr>
+          </a:solidFill>
+          <a:ln>
+            <a:noFill/>
+          </a:ln>
+        </p:spPr>
+        <p:style>
+          <a:lnRef idx="2">
+            <a:schemeClr val="accent1">
+              <a:shade val="50000"/>
+            </a:schemeClr>
+          </a:lnRef>
+          <a:fillRef idx="1">
+            <a:schemeClr val="accent1"/>
+          </a:fillRef>
+          <a:effectRef idx="0">
+            <a:schemeClr val="accent1"/>
+          </a:effectRef>
+          <a:fontRef idx="minor">
+            <a:schemeClr val="lt1"/>
+          </a:fontRef>
+        </p:style>
+        <p:txBody>
+          <a:bodyPr rtlCol="0" anchor="ctr"/>
+          <a:lstStyle/>
+          <a:p>
+            <a:pPr algn="ctr"/>
             <a:endParaRPr lang="es-ES"/>
           </a:p>
         </p:txBody>
@@ -3716,7 +4370,754 @@
     </p:spTree>
     <p:extLst>
       <p:ext uri="{BB962C8B-B14F-4D97-AF65-F5344CB8AC3E}">
-        <p14:creationId xmlns:p14="http://schemas.microsoft.com/office/powerpoint/2010/main" val="2269578640"/>
+        <p14:creationId xmlns:p14="http://schemas.microsoft.com/office/powerpoint/2010/main" val="3908970211"/>
+      </p:ext>
+    </p:extLst>
+  </p:cSld>
+  <p:clrMapOvr>
+    <a:masterClrMapping/>
+  </p:clrMapOvr>
+</p:sld>
+</file>
+
+<file path=ppt/slides/slide6.xml><?xml version="1.0" encoding="utf-8"?>
+<p:sld xmlns:a="http://schemas.openxmlformats.org/drawingml/2006/main" xmlns:r="http://schemas.openxmlformats.org/officeDocument/2006/relationships" xmlns:p="http://schemas.openxmlformats.org/presentationml/2006/main">
+  <p:cSld>
+    <p:spTree>
+      <p:nvGrpSpPr>
+        <p:cNvPr id="1" name=""/>
+        <p:cNvGrpSpPr/>
+        <p:nvPr/>
+      </p:nvGrpSpPr>
+      <p:grpSpPr>
+        <a:xfrm>
+          <a:off x="0" y="0"/>
+          <a:ext cx="0" cy="0"/>
+          <a:chOff x="0" y="0"/>
+          <a:chExt cx="0" cy="0"/>
+        </a:xfrm>
+      </p:grpSpPr>
+      <p:sp>
+        <p:nvSpPr>
+          <p:cNvPr id="2" name="Título 1">
+            <a:extLst>
+              <a:ext uri="{FF2B5EF4-FFF2-40B4-BE49-F238E27FC236}">
+                <a16:creationId xmlns:a16="http://schemas.microsoft.com/office/drawing/2014/main" id="{047E0EE7-16BC-548B-91C8-FD7F25F6E604}"/>
+              </a:ext>
+            </a:extLst>
+          </p:cNvPr>
+          <p:cNvSpPr>
+            <a:spLocks noGrp="1"/>
+          </p:cNvSpPr>
+          <p:nvPr>
+            <p:ph type="title"/>
+          </p:nvPr>
+        </p:nvSpPr>
+        <p:spPr/>
+        <p:txBody>
+          <a:bodyPr/>
+          <a:lstStyle/>
+          <a:p>
+            <a:endParaRPr lang="es-ES"/>
+          </a:p>
+        </p:txBody>
+      </p:sp>
+      <p:sp>
+        <p:nvSpPr>
+          <p:cNvPr id="3" name="Marcador de contenido 2">
+            <a:extLst>
+              <a:ext uri="{FF2B5EF4-FFF2-40B4-BE49-F238E27FC236}">
+                <a16:creationId xmlns:a16="http://schemas.microsoft.com/office/drawing/2014/main" id="{4CAFF778-CF7F-C088-9682-4F2645DE911B}"/>
+              </a:ext>
+            </a:extLst>
+          </p:cNvPr>
+          <p:cNvSpPr>
+            <a:spLocks noGrp="1"/>
+          </p:cNvSpPr>
+          <p:nvPr>
+            <p:ph idx="1"/>
+          </p:nvPr>
+        </p:nvSpPr>
+        <p:spPr/>
+        <p:txBody>
+          <a:bodyPr>
+            <a:normAutofit/>
+          </a:bodyPr>
+          <a:lstStyle/>
+          <a:p>
+            <a:pPr marL="0" indent="0">
+              <a:buNone/>
+            </a:pPr>
+            <a:r>
+              <a:rPr lang="es-ES" sz="6000" b="1" dirty="0" err="1">
+                <a:latin typeface="Courier New" panose="02070309020205020404" pitchFamily="49" charset="0"/>
+                <a:cs typeface="Courier New" panose="02070309020205020404" pitchFamily="49" charset="0"/>
+              </a:rPr>
+              <a:t>A</a:t>
+            </a:r>
+            <a:r>
+              <a:rPr lang="es-ES" sz="6000" dirty="0" err="1">
+                <a:latin typeface="Courier New" panose="02070309020205020404" pitchFamily="49" charset="0"/>
+                <a:cs typeface="Courier New" panose="02070309020205020404" pitchFamily="49" charset="0"/>
+              </a:rPr>
+              <a:t>tomicity</a:t>
+            </a:r>
+            <a:endParaRPr lang="es-ES" sz="6000" b="1" dirty="0">
+              <a:latin typeface="Courier New" panose="02070309020205020404" pitchFamily="49" charset="0"/>
+              <a:cs typeface="Courier New" panose="02070309020205020404" pitchFamily="49" charset="0"/>
+            </a:endParaRPr>
+          </a:p>
+          <a:p>
+            <a:pPr marL="0" indent="0">
+              <a:buNone/>
+            </a:pPr>
+            <a:r>
+              <a:rPr lang="es-ES" sz="6000" b="1" dirty="0" err="1">
+                <a:latin typeface="Courier New" panose="02070309020205020404" pitchFamily="49" charset="0"/>
+                <a:cs typeface="Courier New" panose="02070309020205020404" pitchFamily="49" charset="0"/>
+              </a:rPr>
+              <a:t>C</a:t>
+            </a:r>
+            <a:r>
+              <a:rPr lang="es-ES" sz="6000" dirty="0" err="1">
+                <a:latin typeface="Courier New" panose="02070309020205020404" pitchFamily="49" charset="0"/>
+                <a:cs typeface="Courier New" panose="02070309020205020404" pitchFamily="49" charset="0"/>
+              </a:rPr>
+              <a:t>onsistency</a:t>
+            </a:r>
+            <a:endParaRPr lang="es-ES" sz="6000" b="1" dirty="0">
+              <a:latin typeface="Courier New" panose="02070309020205020404" pitchFamily="49" charset="0"/>
+              <a:cs typeface="Courier New" panose="02070309020205020404" pitchFamily="49" charset="0"/>
+            </a:endParaRPr>
+          </a:p>
+          <a:p>
+            <a:pPr marL="0" indent="0">
+              <a:buNone/>
+            </a:pPr>
+            <a:r>
+              <a:rPr lang="es-ES" sz="6000" b="1" dirty="0" err="1">
+                <a:latin typeface="Courier New" panose="02070309020205020404" pitchFamily="49" charset="0"/>
+                <a:cs typeface="Courier New" panose="02070309020205020404" pitchFamily="49" charset="0"/>
+              </a:rPr>
+              <a:t>I</a:t>
+            </a:r>
+            <a:r>
+              <a:rPr lang="es-ES" sz="6000" dirty="0" err="1">
+                <a:latin typeface="Courier New" panose="02070309020205020404" pitchFamily="49" charset="0"/>
+                <a:cs typeface="Courier New" panose="02070309020205020404" pitchFamily="49" charset="0"/>
+              </a:rPr>
+              <a:t>solation</a:t>
+            </a:r>
+            <a:endParaRPr lang="es-ES" sz="6000" b="1" dirty="0">
+              <a:latin typeface="Courier New" panose="02070309020205020404" pitchFamily="49" charset="0"/>
+              <a:cs typeface="Courier New" panose="02070309020205020404" pitchFamily="49" charset="0"/>
+            </a:endParaRPr>
+          </a:p>
+          <a:p>
+            <a:pPr marL="0" indent="0">
+              <a:buNone/>
+            </a:pPr>
+            <a:r>
+              <a:rPr lang="es-ES" sz="6000" b="1" dirty="0">
+                <a:latin typeface="Courier New" panose="02070309020205020404" pitchFamily="49" charset="0"/>
+                <a:cs typeface="Courier New" panose="02070309020205020404" pitchFamily="49" charset="0"/>
+              </a:rPr>
+              <a:t>D</a:t>
+            </a:r>
+          </a:p>
+        </p:txBody>
+      </p:sp>
+      <p:sp>
+        <p:nvSpPr>
+          <p:cNvPr id="4" name="Rectángulo 3">
+            <a:extLst>
+              <a:ext uri="{FF2B5EF4-FFF2-40B4-BE49-F238E27FC236}">
+                <a16:creationId xmlns:a16="http://schemas.microsoft.com/office/drawing/2014/main" id="{314D82FD-51F5-F47F-62C9-3575E4838F93}"/>
+              </a:ext>
+            </a:extLst>
+          </p:cNvPr>
+          <p:cNvSpPr/>
+          <p:nvPr/>
+        </p:nvSpPr>
+        <p:spPr>
+          <a:xfrm>
+            <a:off x="838200" y="4610501"/>
+            <a:ext cx="4458419" cy="853526"/>
+          </a:xfrm>
+          <a:prstGeom prst="rect">
+            <a:avLst/>
+          </a:prstGeom>
+          <a:solidFill>
+            <a:schemeClr val="bg1">
+              <a:alpha val="67000"/>
+            </a:schemeClr>
+          </a:solidFill>
+          <a:ln>
+            <a:noFill/>
+          </a:ln>
+        </p:spPr>
+        <p:style>
+          <a:lnRef idx="2">
+            <a:schemeClr val="accent1">
+              <a:shade val="50000"/>
+            </a:schemeClr>
+          </a:lnRef>
+          <a:fillRef idx="1">
+            <a:schemeClr val="accent1"/>
+          </a:fillRef>
+          <a:effectRef idx="0">
+            <a:schemeClr val="accent1"/>
+          </a:effectRef>
+          <a:fontRef idx="minor">
+            <a:schemeClr val="lt1"/>
+          </a:fontRef>
+        </p:style>
+        <p:txBody>
+          <a:bodyPr rtlCol="0" anchor="ctr"/>
+          <a:lstStyle/>
+          <a:p>
+            <a:pPr algn="ctr"/>
+            <a:endParaRPr lang="es-ES"/>
+          </a:p>
+        </p:txBody>
+      </p:sp>
+      <p:sp>
+        <p:nvSpPr>
+          <p:cNvPr id="5" name="Rectángulo 4">
+            <a:extLst>
+              <a:ext uri="{FF2B5EF4-FFF2-40B4-BE49-F238E27FC236}">
+                <a16:creationId xmlns:a16="http://schemas.microsoft.com/office/drawing/2014/main" id="{A0DAB02F-8B29-2DBC-4D5B-956BE0A3D9AC}"/>
+              </a:ext>
+            </a:extLst>
+          </p:cNvPr>
+          <p:cNvSpPr/>
+          <p:nvPr/>
+        </p:nvSpPr>
+        <p:spPr>
+          <a:xfrm>
+            <a:off x="838200" y="1825625"/>
+            <a:ext cx="5783981" cy="1985979"/>
+          </a:xfrm>
+          <a:prstGeom prst="rect">
+            <a:avLst/>
+          </a:prstGeom>
+          <a:solidFill>
+            <a:schemeClr val="bg1">
+              <a:alpha val="67000"/>
+            </a:schemeClr>
+          </a:solidFill>
+          <a:ln>
+            <a:noFill/>
+          </a:ln>
+        </p:spPr>
+        <p:style>
+          <a:lnRef idx="2">
+            <a:schemeClr val="accent1">
+              <a:shade val="50000"/>
+            </a:schemeClr>
+          </a:lnRef>
+          <a:fillRef idx="1">
+            <a:schemeClr val="accent1"/>
+          </a:fillRef>
+          <a:effectRef idx="0">
+            <a:schemeClr val="accent1"/>
+          </a:effectRef>
+          <a:fontRef idx="minor">
+            <a:schemeClr val="lt1"/>
+          </a:fontRef>
+        </p:style>
+        <p:txBody>
+          <a:bodyPr rtlCol="0" anchor="ctr"/>
+          <a:lstStyle/>
+          <a:p>
+            <a:pPr algn="ctr"/>
+            <a:endParaRPr lang="es-ES"/>
+          </a:p>
+        </p:txBody>
+      </p:sp>
+    </p:spTree>
+    <p:extLst>
+      <p:ext uri="{BB962C8B-B14F-4D97-AF65-F5344CB8AC3E}">
+        <p14:creationId xmlns:p14="http://schemas.microsoft.com/office/powerpoint/2010/main" val="4132054831"/>
+      </p:ext>
+    </p:extLst>
+  </p:cSld>
+  <p:clrMapOvr>
+    <a:masterClrMapping/>
+  </p:clrMapOvr>
+</p:sld>
+</file>
+
+<file path=ppt/slides/slide7.xml><?xml version="1.0" encoding="utf-8"?>
+<p:sld xmlns:a="http://schemas.openxmlformats.org/drawingml/2006/main" xmlns:r="http://schemas.openxmlformats.org/officeDocument/2006/relationships" xmlns:p="http://schemas.openxmlformats.org/presentationml/2006/main">
+  <p:cSld>
+    <p:spTree>
+      <p:nvGrpSpPr>
+        <p:cNvPr id="1" name=""/>
+        <p:cNvGrpSpPr/>
+        <p:nvPr/>
+      </p:nvGrpSpPr>
+      <p:grpSpPr>
+        <a:xfrm>
+          <a:off x="0" y="0"/>
+          <a:ext cx="0" cy="0"/>
+          <a:chOff x="0" y="0"/>
+          <a:chExt cx="0" cy="0"/>
+        </a:xfrm>
+      </p:grpSpPr>
+      <p:sp>
+        <p:nvSpPr>
+          <p:cNvPr id="2" name="Título 1">
+            <a:extLst>
+              <a:ext uri="{FF2B5EF4-FFF2-40B4-BE49-F238E27FC236}">
+                <a16:creationId xmlns:a16="http://schemas.microsoft.com/office/drawing/2014/main" id="{047E0EE7-16BC-548B-91C8-FD7F25F6E604}"/>
+              </a:ext>
+            </a:extLst>
+          </p:cNvPr>
+          <p:cNvSpPr>
+            <a:spLocks noGrp="1"/>
+          </p:cNvSpPr>
+          <p:nvPr>
+            <p:ph type="title"/>
+          </p:nvPr>
+        </p:nvSpPr>
+        <p:spPr/>
+        <p:txBody>
+          <a:bodyPr/>
+          <a:lstStyle/>
+          <a:p>
+            <a:endParaRPr lang="es-ES"/>
+          </a:p>
+        </p:txBody>
+      </p:sp>
+      <p:sp>
+        <p:nvSpPr>
+          <p:cNvPr id="3" name="Marcador de contenido 2">
+            <a:extLst>
+              <a:ext uri="{FF2B5EF4-FFF2-40B4-BE49-F238E27FC236}">
+                <a16:creationId xmlns:a16="http://schemas.microsoft.com/office/drawing/2014/main" id="{4CAFF778-CF7F-C088-9682-4F2645DE911B}"/>
+              </a:ext>
+            </a:extLst>
+          </p:cNvPr>
+          <p:cNvSpPr>
+            <a:spLocks noGrp="1"/>
+          </p:cNvSpPr>
+          <p:nvPr>
+            <p:ph idx="1"/>
+          </p:nvPr>
+        </p:nvSpPr>
+        <p:spPr/>
+        <p:txBody>
+          <a:bodyPr>
+            <a:normAutofit/>
+          </a:bodyPr>
+          <a:lstStyle/>
+          <a:p>
+            <a:pPr marL="0" indent="0">
+              <a:buNone/>
+            </a:pPr>
+            <a:r>
+              <a:rPr lang="es-ES" sz="6000" b="1" dirty="0" err="1">
+                <a:latin typeface="Courier New" panose="02070309020205020404" pitchFamily="49" charset="0"/>
+                <a:cs typeface="Courier New" panose="02070309020205020404" pitchFamily="49" charset="0"/>
+              </a:rPr>
+              <a:t>A</a:t>
+            </a:r>
+            <a:r>
+              <a:rPr lang="es-ES" sz="6000" dirty="0" err="1">
+                <a:latin typeface="Courier New" panose="02070309020205020404" pitchFamily="49" charset="0"/>
+                <a:cs typeface="Courier New" panose="02070309020205020404" pitchFamily="49" charset="0"/>
+              </a:rPr>
+              <a:t>tomicity</a:t>
+            </a:r>
+            <a:endParaRPr lang="es-ES" sz="6000" b="1" dirty="0">
+              <a:latin typeface="Courier New" panose="02070309020205020404" pitchFamily="49" charset="0"/>
+              <a:cs typeface="Courier New" panose="02070309020205020404" pitchFamily="49" charset="0"/>
+            </a:endParaRPr>
+          </a:p>
+          <a:p>
+            <a:pPr marL="0" indent="0">
+              <a:buNone/>
+            </a:pPr>
+            <a:r>
+              <a:rPr lang="es-ES" sz="6000" b="1" dirty="0" err="1">
+                <a:latin typeface="Courier New" panose="02070309020205020404" pitchFamily="49" charset="0"/>
+                <a:cs typeface="Courier New" panose="02070309020205020404" pitchFamily="49" charset="0"/>
+              </a:rPr>
+              <a:t>C</a:t>
+            </a:r>
+            <a:r>
+              <a:rPr lang="es-ES" sz="6000" dirty="0" err="1">
+                <a:latin typeface="Courier New" panose="02070309020205020404" pitchFamily="49" charset="0"/>
+                <a:cs typeface="Courier New" panose="02070309020205020404" pitchFamily="49" charset="0"/>
+              </a:rPr>
+              <a:t>onsistency</a:t>
+            </a:r>
+            <a:endParaRPr lang="es-ES" sz="6000" b="1" dirty="0">
+              <a:latin typeface="Courier New" panose="02070309020205020404" pitchFamily="49" charset="0"/>
+              <a:cs typeface="Courier New" panose="02070309020205020404" pitchFamily="49" charset="0"/>
+            </a:endParaRPr>
+          </a:p>
+          <a:p>
+            <a:pPr marL="0" indent="0">
+              <a:buNone/>
+            </a:pPr>
+            <a:r>
+              <a:rPr lang="es-ES" sz="6000" b="1" dirty="0" err="1">
+                <a:latin typeface="Courier New" panose="02070309020205020404" pitchFamily="49" charset="0"/>
+                <a:cs typeface="Courier New" panose="02070309020205020404" pitchFamily="49" charset="0"/>
+              </a:rPr>
+              <a:t>I</a:t>
+            </a:r>
+            <a:r>
+              <a:rPr lang="es-ES" sz="6000" dirty="0" err="1">
+                <a:latin typeface="Courier New" panose="02070309020205020404" pitchFamily="49" charset="0"/>
+                <a:cs typeface="Courier New" panose="02070309020205020404" pitchFamily="49" charset="0"/>
+              </a:rPr>
+              <a:t>solation</a:t>
+            </a:r>
+            <a:endParaRPr lang="es-ES" sz="6000" b="1" dirty="0">
+              <a:latin typeface="Courier New" panose="02070309020205020404" pitchFamily="49" charset="0"/>
+              <a:cs typeface="Courier New" panose="02070309020205020404" pitchFamily="49" charset="0"/>
+            </a:endParaRPr>
+          </a:p>
+          <a:p>
+            <a:pPr marL="0" indent="0">
+              <a:buNone/>
+            </a:pPr>
+            <a:r>
+              <a:rPr lang="es-ES" sz="6000" b="1" dirty="0" err="1">
+                <a:latin typeface="Courier New" panose="02070309020205020404" pitchFamily="49" charset="0"/>
+                <a:cs typeface="Courier New" panose="02070309020205020404" pitchFamily="49" charset="0"/>
+              </a:rPr>
+              <a:t>D</a:t>
+            </a:r>
+            <a:r>
+              <a:rPr lang="es-ES" sz="6000" dirty="0" err="1">
+                <a:latin typeface="Courier New" panose="02070309020205020404" pitchFamily="49" charset="0"/>
+                <a:cs typeface="Courier New" panose="02070309020205020404" pitchFamily="49" charset="0"/>
+              </a:rPr>
+              <a:t>urability</a:t>
+            </a:r>
+            <a:endParaRPr lang="es-ES" sz="6000" b="1" dirty="0">
+              <a:latin typeface="Courier New" panose="02070309020205020404" pitchFamily="49" charset="0"/>
+              <a:cs typeface="Courier New" panose="02070309020205020404" pitchFamily="49" charset="0"/>
+            </a:endParaRPr>
+          </a:p>
+        </p:txBody>
+      </p:sp>
+      <p:sp>
+        <p:nvSpPr>
+          <p:cNvPr id="4" name="Rectángulo 3">
+            <a:extLst>
+              <a:ext uri="{FF2B5EF4-FFF2-40B4-BE49-F238E27FC236}">
+                <a16:creationId xmlns:a16="http://schemas.microsoft.com/office/drawing/2014/main" id="{07535089-82A4-521C-F502-CCBD36A453DA}"/>
+              </a:ext>
+            </a:extLst>
+          </p:cNvPr>
+          <p:cNvSpPr/>
+          <p:nvPr/>
+        </p:nvSpPr>
+        <p:spPr>
+          <a:xfrm>
+            <a:off x="838200" y="1825625"/>
+            <a:ext cx="5167964" cy="2890754"/>
+          </a:xfrm>
+          <a:prstGeom prst="rect">
+            <a:avLst/>
+          </a:prstGeom>
+          <a:solidFill>
+            <a:schemeClr val="bg1">
+              <a:alpha val="67000"/>
+            </a:schemeClr>
+          </a:solidFill>
+          <a:ln>
+            <a:noFill/>
+          </a:ln>
+        </p:spPr>
+        <p:style>
+          <a:lnRef idx="2">
+            <a:schemeClr val="accent1">
+              <a:shade val="50000"/>
+            </a:schemeClr>
+          </a:lnRef>
+          <a:fillRef idx="1">
+            <a:schemeClr val="accent1"/>
+          </a:fillRef>
+          <a:effectRef idx="0">
+            <a:schemeClr val="accent1"/>
+          </a:effectRef>
+          <a:fontRef idx="minor">
+            <a:schemeClr val="lt1"/>
+          </a:fontRef>
+        </p:style>
+        <p:txBody>
+          <a:bodyPr rtlCol="0" anchor="ctr"/>
+          <a:lstStyle/>
+          <a:p>
+            <a:pPr algn="ctr"/>
+            <a:endParaRPr lang="es-ES"/>
+          </a:p>
+        </p:txBody>
+      </p:sp>
+    </p:spTree>
+    <p:extLst>
+      <p:ext uri="{BB962C8B-B14F-4D97-AF65-F5344CB8AC3E}">
+        <p14:creationId xmlns:p14="http://schemas.microsoft.com/office/powerpoint/2010/main" val="47085097"/>
+      </p:ext>
+    </p:extLst>
+  </p:cSld>
+  <p:clrMapOvr>
+    <a:masterClrMapping/>
+  </p:clrMapOvr>
+</p:sld>
+</file>
+
+<file path=ppt/slides/slide8.xml><?xml version="1.0" encoding="utf-8"?>
+<p:sld xmlns:a="http://schemas.openxmlformats.org/drawingml/2006/main" xmlns:r="http://schemas.openxmlformats.org/officeDocument/2006/relationships" xmlns:p="http://schemas.openxmlformats.org/presentationml/2006/main">
+  <p:cSld>
+    <p:spTree>
+      <p:nvGrpSpPr>
+        <p:cNvPr id="1" name=""/>
+        <p:cNvGrpSpPr/>
+        <p:nvPr/>
+      </p:nvGrpSpPr>
+      <p:grpSpPr>
+        <a:xfrm>
+          <a:off x="0" y="0"/>
+          <a:ext cx="0" cy="0"/>
+          <a:chOff x="0" y="0"/>
+          <a:chExt cx="0" cy="0"/>
+        </a:xfrm>
+      </p:grpSpPr>
+      <p:sp>
+        <p:nvSpPr>
+          <p:cNvPr id="2" name="Título 1">
+            <a:extLst>
+              <a:ext uri="{FF2B5EF4-FFF2-40B4-BE49-F238E27FC236}">
+                <a16:creationId xmlns:a16="http://schemas.microsoft.com/office/drawing/2014/main" id="{047E0EE7-16BC-548B-91C8-FD7F25F6E604}"/>
+              </a:ext>
+            </a:extLst>
+          </p:cNvPr>
+          <p:cNvSpPr>
+            <a:spLocks noGrp="1"/>
+          </p:cNvSpPr>
+          <p:nvPr>
+            <p:ph type="title"/>
+          </p:nvPr>
+        </p:nvSpPr>
+        <p:spPr/>
+        <p:txBody>
+          <a:bodyPr/>
+          <a:lstStyle/>
+          <a:p>
+            <a:endParaRPr lang="es-ES"/>
+          </a:p>
+        </p:txBody>
+      </p:sp>
+      <p:sp>
+        <p:nvSpPr>
+          <p:cNvPr id="3" name="Marcador de contenido 2">
+            <a:extLst>
+              <a:ext uri="{FF2B5EF4-FFF2-40B4-BE49-F238E27FC236}">
+                <a16:creationId xmlns:a16="http://schemas.microsoft.com/office/drawing/2014/main" id="{4CAFF778-CF7F-C088-9682-4F2645DE911B}"/>
+              </a:ext>
+            </a:extLst>
+          </p:cNvPr>
+          <p:cNvSpPr>
+            <a:spLocks noGrp="1"/>
+          </p:cNvSpPr>
+          <p:nvPr>
+            <p:ph idx="1"/>
+          </p:nvPr>
+        </p:nvSpPr>
+        <p:spPr/>
+        <p:txBody>
+          <a:bodyPr>
+            <a:normAutofit/>
+          </a:bodyPr>
+          <a:lstStyle/>
+          <a:p>
+            <a:pPr marL="0" indent="0">
+              <a:buNone/>
+            </a:pPr>
+            <a:r>
+              <a:rPr lang="es-ES" sz="6000" b="1" dirty="0" err="1">
+                <a:latin typeface="Courier New" panose="02070309020205020404" pitchFamily="49" charset="0"/>
+                <a:cs typeface="Courier New" panose="02070309020205020404" pitchFamily="49" charset="0"/>
+              </a:rPr>
+              <a:t>A</a:t>
+            </a:r>
+            <a:r>
+              <a:rPr lang="es-ES" sz="6000" dirty="0" err="1">
+                <a:latin typeface="Courier New" panose="02070309020205020404" pitchFamily="49" charset="0"/>
+                <a:cs typeface="Courier New" panose="02070309020205020404" pitchFamily="49" charset="0"/>
+              </a:rPr>
+              <a:t>tomicity</a:t>
+            </a:r>
+            <a:endParaRPr lang="es-ES" sz="6000" b="1" dirty="0">
+              <a:latin typeface="Courier New" panose="02070309020205020404" pitchFamily="49" charset="0"/>
+              <a:cs typeface="Courier New" panose="02070309020205020404" pitchFamily="49" charset="0"/>
+            </a:endParaRPr>
+          </a:p>
+          <a:p>
+            <a:pPr marL="0" indent="0">
+              <a:buNone/>
+            </a:pPr>
+            <a:r>
+              <a:rPr lang="es-ES" sz="6000" b="1" dirty="0" err="1">
+                <a:latin typeface="Courier New" panose="02070309020205020404" pitchFamily="49" charset="0"/>
+                <a:cs typeface="Courier New" panose="02070309020205020404" pitchFamily="49" charset="0"/>
+              </a:rPr>
+              <a:t>C</a:t>
+            </a:r>
+            <a:r>
+              <a:rPr lang="es-ES" sz="6000" dirty="0" err="1">
+                <a:latin typeface="Courier New" panose="02070309020205020404" pitchFamily="49" charset="0"/>
+                <a:cs typeface="Courier New" panose="02070309020205020404" pitchFamily="49" charset="0"/>
+              </a:rPr>
+              <a:t>onsistency</a:t>
+            </a:r>
+            <a:endParaRPr lang="es-ES" sz="6000" b="1" dirty="0">
+              <a:latin typeface="Courier New" panose="02070309020205020404" pitchFamily="49" charset="0"/>
+              <a:cs typeface="Courier New" panose="02070309020205020404" pitchFamily="49" charset="0"/>
+            </a:endParaRPr>
+          </a:p>
+          <a:p>
+            <a:pPr marL="0" indent="0">
+              <a:buNone/>
+            </a:pPr>
+            <a:r>
+              <a:rPr lang="es-ES" sz="6000" b="1" dirty="0" err="1">
+                <a:latin typeface="Courier New" panose="02070309020205020404" pitchFamily="49" charset="0"/>
+                <a:cs typeface="Courier New" panose="02070309020205020404" pitchFamily="49" charset="0"/>
+              </a:rPr>
+              <a:t>I</a:t>
+            </a:r>
+            <a:r>
+              <a:rPr lang="es-ES" sz="6000" dirty="0" err="1">
+                <a:latin typeface="Courier New" panose="02070309020205020404" pitchFamily="49" charset="0"/>
+                <a:cs typeface="Courier New" panose="02070309020205020404" pitchFamily="49" charset="0"/>
+              </a:rPr>
+              <a:t>solation</a:t>
+            </a:r>
+            <a:endParaRPr lang="es-ES" sz="6000" b="1" dirty="0">
+              <a:latin typeface="Courier New" panose="02070309020205020404" pitchFamily="49" charset="0"/>
+              <a:cs typeface="Courier New" panose="02070309020205020404" pitchFamily="49" charset="0"/>
+            </a:endParaRPr>
+          </a:p>
+          <a:p>
+            <a:pPr marL="0" indent="0">
+              <a:buNone/>
+            </a:pPr>
+            <a:r>
+              <a:rPr lang="es-ES" sz="6000" b="1" dirty="0" err="1">
+                <a:latin typeface="Courier New" panose="02070309020205020404" pitchFamily="49" charset="0"/>
+                <a:cs typeface="Courier New" panose="02070309020205020404" pitchFamily="49" charset="0"/>
+              </a:rPr>
+              <a:t>D</a:t>
+            </a:r>
+            <a:r>
+              <a:rPr lang="es-ES" sz="6000" dirty="0" err="1">
+                <a:latin typeface="Courier New" panose="02070309020205020404" pitchFamily="49" charset="0"/>
+                <a:cs typeface="Courier New" panose="02070309020205020404" pitchFamily="49" charset="0"/>
+              </a:rPr>
+              <a:t>urability</a:t>
+            </a:r>
+            <a:endParaRPr lang="es-ES" sz="6000" b="1" dirty="0">
+              <a:latin typeface="Courier New" panose="02070309020205020404" pitchFamily="49" charset="0"/>
+              <a:cs typeface="Courier New" panose="02070309020205020404" pitchFamily="49" charset="0"/>
+            </a:endParaRPr>
+          </a:p>
+        </p:txBody>
+      </p:sp>
+    </p:spTree>
+    <p:extLst>
+      <p:ext uri="{BB962C8B-B14F-4D97-AF65-F5344CB8AC3E}">
+        <p14:creationId xmlns:p14="http://schemas.microsoft.com/office/powerpoint/2010/main" val="4041756732"/>
+      </p:ext>
+    </p:extLst>
+  </p:cSld>
+  <p:clrMapOvr>
+    <a:masterClrMapping/>
+  </p:clrMapOvr>
+</p:sld>
+</file>
+
+<file path=ppt/slides/slide9.xml><?xml version="1.0" encoding="utf-8"?>
+<p:sld xmlns:a="http://schemas.openxmlformats.org/drawingml/2006/main" xmlns:r="http://schemas.openxmlformats.org/officeDocument/2006/relationships" xmlns:p="http://schemas.openxmlformats.org/presentationml/2006/main">
+  <p:cSld>
+    <p:spTree>
+      <p:nvGrpSpPr>
+        <p:cNvPr id="1" name=""/>
+        <p:cNvGrpSpPr/>
+        <p:nvPr/>
+      </p:nvGrpSpPr>
+      <p:grpSpPr>
+        <a:xfrm>
+          <a:off x="0" y="0"/>
+          <a:ext cx="0" cy="0"/>
+          <a:chOff x="0" y="0"/>
+          <a:chExt cx="0" cy="0"/>
+        </a:xfrm>
+      </p:grpSpPr>
+      <p:sp>
+        <p:nvSpPr>
+          <p:cNvPr id="2" name="Título 1">
+            <a:extLst>
+              <a:ext uri="{FF2B5EF4-FFF2-40B4-BE49-F238E27FC236}">
+                <a16:creationId xmlns:a16="http://schemas.microsoft.com/office/drawing/2014/main" id="{D2ADEDD5-4E07-6D37-8AF6-5426CED47AFE}"/>
+              </a:ext>
+            </a:extLst>
+          </p:cNvPr>
+          <p:cNvSpPr>
+            <a:spLocks noGrp="1"/>
+          </p:cNvSpPr>
+          <p:nvPr>
+            <p:ph type="title"/>
+          </p:nvPr>
+        </p:nvSpPr>
+        <p:spPr/>
+        <p:txBody>
+          <a:bodyPr/>
+          <a:lstStyle/>
+          <a:p>
+            <a:r>
+              <a:rPr lang="es-ES" dirty="0"/>
+              <a:t>CAP</a:t>
+            </a:r>
+          </a:p>
+        </p:txBody>
+      </p:sp>
+      <p:sp>
+        <p:nvSpPr>
+          <p:cNvPr id="3" name="Marcador de contenido 2">
+            <a:extLst>
+              <a:ext uri="{FF2B5EF4-FFF2-40B4-BE49-F238E27FC236}">
+                <a16:creationId xmlns:a16="http://schemas.microsoft.com/office/drawing/2014/main" id="{3710616D-D49B-1ADB-8655-799AC7944965}"/>
+              </a:ext>
+            </a:extLst>
+          </p:cNvPr>
+          <p:cNvSpPr>
+            <a:spLocks noGrp="1"/>
+          </p:cNvSpPr>
+          <p:nvPr>
+            <p:ph idx="1"/>
+          </p:nvPr>
+        </p:nvSpPr>
+        <p:spPr/>
+        <p:txBody>
+          <a:bodyPr/>
+          <a:lstStyle/>
+          <a:p>
+            <a:endParaRPr lang="es-ES"/>
+          </a:p>
+        </p:txBody>
+      </p:sp>
+    </p:spTree>
+    <p:extLst>
+      <p:ext uri="{BB962C8B-B14F-4D97-AF65-F5344CB8AC3E}">
+        <p14:creationId xmlns:p14="http://schemas.microsoft.com/office/powerpoint/2010/main" val="1394035450"/>
       </p:ext>
     </p:extLst>
   </p:cSld>
